--- a/VISI_KOMPUTER_ALGORITHM.pptx
+++ b/VISI_KOMPUTER_ALGORITHM.pptx
@@ -42,23 +42,25 @@
     <p:sldId id="287" r:id="rId37"/>
     <p:sldId id="288" r:id="rId38"/>
     <p:sldId id="289" r:id="rId39"/>
+    <p:sldId id="290" r:id="rId40"/>
+    <p:sldId id="291" r:id="rId41"/>
   </p:sldIdLst>
   <p:sldSz cy="5143500" cx="9144000"/>
   <p:notesSz cx="6858000" cy="9144000"/>
   <p:embeddedFontLst>
     <p:embeddedFont>
       <p:font typeface="Raleway"/>
-      <p:regular r:id="rId40"/>
-      <p:bold r:id="rId41"/>
-      <p:italic r:id="rId42"/>
-      <p:boldItalic r:id="rId43"/>
+      <p:regular r:id="rId42"/>
+      <p:bold r:id="rId43"/>
+      <p:italic r:id="rId44"/>
+      <p:boldItalic r:id="rId45"/>
     </p:embeddedFont>
     <p:embeddedFont>
       <p:font typeface="Lato"/>
-      <p:regular r:id="rId44"/>
-      <p:bold r:id="rId45"/>
-      <p:italic r:id="rId46"/>
-      <p:boldItalic r:id="rId47"/>
+      <p:regular r:id="rId46"/>
+      <p:bold r:id="rId47"/>
+      <p:italic r:id="rId48"/>
+      <p:boldItalic r:id="rId49"/>
     </p:embeddedFont>
   </p:embeddedFontLst>
   <p:defaultTextStyle>
@@ -3463,6 +3465,204 @@
       <p:sp>
         <p:nvSpPr>
           <p:cNvPr id="285" name="Google Shape;285;g39ad958e4f0_0_329:notes"/>
+          <p:cNvSpPr txBox="1"/>
+          <p:nvPr>
+            <p:ph idx="1" type="body"/>
+          </p:nvPr>
+        </p:nvSpPr>
+        <p:spPr>
+          <a:xfrm>
+            <a:off x="685800" y="4343400"/>
+            <a:ext cx="5486400" cy="4114800"/>
+          </a:xfrm>
+          <a:prstGeom prst="rect">
+            <a:avLst/>
+          </a:prstGeom>
+        </p:spPr>
+        <p:txBody>
+          <a:bodyPr anchorCtr="0" anchor="t" bIns="91425" lIns="91425" spcFirstLastPara="1" rIns="91425" wrap="square" tIns="91425">
+            <a:noAutofit/>
+          </a:bodyPr>
+          <a:lstStyle/>
+          <a:p>
+            <a:pPr indent="0" lvl="0" marL="0" rtl="0" algn="l">
+              <a:spcBef>
+                <a:spcPts val="0"/>
+              </a:spcBef>
+              <a:spcAft>
+                <a:spcPts val="0"/>
+              </a:spcAft>
+              <a:buNone/>
+            </a:pPr>
+            <a:r>
+              <a:t/>
+            </a:r>
+            <a:endParaRPr/>
+          </a:p>
+        </p:txBody>
+      </p:sp>
+    </p:spTree>
+  </p:cSld>
+  <p:clrMapOvr>
+    <a:masterClrMapping/>
+  </p:clrMapOvr>
+</p:notes>
+</file>
+
+<file path=ppt/notesSlides/notesSlide35.xml><?xml version="1.0" encoding="utf-8"?>
+<p:notes xmlns:a="http://schemas.openxmlformats.org/drawingml/2006/main" xmlns:r="http://schemas.openxmlformats.org/officeDocument/2006/relationships" xmlns:mc="http://schemas.openxmlformats.org/markup-compatibility/2006" xmlns:mv="urn:schemas-microsoft-com:mac:vml" xmlns:p="http://schemas.openxmlformats.org/presentationml/2006/main" xmlns:c="http://schemas.openxmlformats.org/drawingml/2006/chart" xmlns:dgm="http://schemas.openxmlformats.org/drawingml/2006/diagram" xmlns:o="urn:schemas-microsoft-com:office:office" xmlns:v="urn:schemas-microsoft-com:vml" xmlns:pvml="urn:schemas-microsoft-com:office:powerpoint" xmlns:com="http://schemas.openxmlformats.org/drawingml/2006/compatibility" xmlns:p14="http://schemas.microsoft.com/office/powerpoint/2010/main" xmlns:p15="http://schemas.microsoft.com/office/powerpoint/2012/main" xmlns:ahyp="http://schemas.microsoft.com/office/drawing/2018/hyperlinkcolor" showMasterPhAnim="0" showMasterSp="0">
+  <p:cSld>
+    <p:spTree>
+      <p:nvGrpSpPr>
+        <p:cNvPr id="290" name="Shape 290"/>
+        <p:cNvGrpSpPr/>
+        <p:nvPr/>
+      </p:nvGrpSpPr>
+      <p:grpSpPr>
+        <a:xfrm>
+          <a:off x="0" y="0"/>
+          <a:ext cx="0" cy="0"/>
+          <a:chOff x="0" y="0"/>
+          <a:chExt cx="0" cy="0"/>
+        </a:xfrm>
+      </p:grpSpPr>
+      <p:sp>
+        <p:nvSpPr>
+          <p:cNvPr id="291" name="Google Shape;291;g39ad958e4f0_0_342:notes"/>
+          <p:cNvSpPr/>
+          <p:nvPr>
+            <p:ph idx="2" type="sldImg"/>
+          </p:nvPr>
+        </p:nvSpPr>
+        <p:spPr>
+          <a:xfrm>
+            <a:off x="381300" y="685800"/>
+            <a:ext cx="6096000" cy="3429000"/>
+          </a:xfrm>
+          <a:custGeom>
+            <a:rect b="b" l="l" r="r" t="t"/>
+            <a:pathLst>
+              <a:path extrusionOk="0" h="120000" w="120000">
+                <a:moveTo>
+                  <a:pt x="0" y="0"/>
+                </a:moveTo>
+                <a:lnTo>
+                  <a:pt x="120000" y="0"/>
+                </a:lnTo>
+                <a:lnTo>
+                  <a:pt x="120000" y="120000"/>
+                </a:lnTo>
+                <a:lnTo>
+                  <a:pt x="0" y="120000"/>
+                </a:lnTo>
+                <a:close/>
+              </a:path>
+            </a:pathLst>
+          </a:custGeom>
+        </p:spPr>
+      </p:sp>
+      <p:sp>
+        <p:nvSpPr>
+          <p:cNvPr id="292" name="Google Shape;292;g39ad958e4f0_0_342:notes"/>
+          <p:cNvSpPr txBox="1"/>
+          <p:nvPr>
+            <p:ph idx="1" type="body"/>
+          </p:nvPr>
+        </p:nvSpPr>
+        <p:spPr>
+          <a:xfrm>
+            <a:off x="685800" y="4343400"/>
+            <a:ext cx="5486400" cy="4114800"/>
+          </a:xfrm>
+          <a:prstGeom prst="rect">
+            <a:avLst/>
+          </a:prstGeom>
+        </p:spPr>
+        <p:txBody>
+          <a:bodyPr anchorCtr="0" anchor="t" bIns="91425" lIns="91425" spcFirstLastPara="1" rIns="91425" wrap="square" tIns="91425">
+            <a:noAutofit/>
+          </a:bodyPr>
+          <a:lstStyle/>
+          <a:p>
+            <a:pPr indent="0" lvl="0" marL="0" rtl="0" algn="l">
+              <a:spcBef>
+                <a:spcPts val="0"/>
+              </a:spcBef>
+              <a:spcAft>
+                <a:spcPts val="0"/>
+              </a:spcAft>
+              <a:buNone/>
+            </a:pPr>
+            <a:r>
+              <a:t/>
+            </a:r>
+            <a:endParaRPr/>
+          </a:p>
+        </p:txBody>
+      </p:sp>
+    </p:spTree>
+  </p:cSld>
+  <p:clrMapOvr>
+    <a:masterClrMapping/>
+  </p:clrMapOvr>
+</p:notes>
+</file>
+
+<file path=ppt/notesSlides/notesSlide36.xml><?xml version="1.0" encoding="utf-8"?>
+<p:notes xmlns:a="http://schemas.openxmlformats.org/drawingml/2006/main" xmlns:r="http://schemas.openxmlformats.org/officeDocument/2006/relationships" xmlns:mc="http://schemas.openxmlformats.org/markup-compatibility/2006" xmlns:mv="urn:schemas-microsoft-com:mac:vml" xmlns:p="http://schemas.openxmlformats.org/presentationml/2006/main" xmlns:c="http://schemas.openxmlformats.org/drawingml/2006/chart" xmlns:dgm="http://schemas.openxmlformats.org/drawingml/2006/diagram" xmlns:o="urn:schemas-microsoft-com:office:office" xmlns:v="urn:schemas-microsoft-com:vml" xmlns:pvml="urn:schemas-microsoft-com:office:powerpoint" xmlns:com="http://schemas.openxmlformats.org/drawingml/2006/compatibility" xmlns:p14="http://schemas.microsoft.com/office/powerpoint/2010/main" xmlns:p15="http://schemas.microsoft.com/office/powerpoint/2012/main" xmlns:ahyp="http://schemas.microsoft.com/office/drawing/2018/hyperlinkcolor" showMasterPhAnim="0" showMasterSp="0">
+  <p:cSld>
+    <p:spTree>
+      <p:nvGrpSpPr>
+        <p:cNvPr id="295" name="Shape 295"/>
+        <p:cNvGrpSpPr/>
+        <p:nvPr/>
+      </p:nvGrpSpPr>
+      <p:grpSpPr>
+        <a:xfrm>
+          <a:off x="0" y="0"/>
+          <a:ext cx="0" cy="0"/>
+          <a:chOff x="0" y="0"/>
+          <a:chExt cx="0" cy="0"/>
+        </a:xfrm>
+      </p:grpSpPr>
+      <p:sp>
+        <p:nvSpPr>
+          <p:cNvPr id="296" name="Google Shape;296;g39ad958e4f0_0_346:notes"/>
+          <p:cNvSpPr/>
+          <p:nvPr>
+            <p:ph idx="2" type="sldImg"/>
+          </p:nvPr>
+        </p:nvSpPr>
+        <p:spPr>
+          <a:xfrm>
+            <a:off x="381300" y="685800"/>
+            <a:ext cx="6096000" cy="3429000"/>
+          </a:xfrm>
+          <a:custGeom>
+            <a:rect b="b" l="l" r="r" t="t"/>
+            <a:pathLst>
+              <a:path extrusionOk="0" h="120000" w="120000">
+                <a:moveTo>
+                  <a:pt x="0" y="0"/>
+                </a:moveTo>
+                <a:lnTo>
+                  <a:pt x="120000" y="0"/>
+                </a:lnTo>
+                <a:lnTo>
+                  <a:pt x="120000" y="120000"/>
+                </a:lnTo>
+                <a:lnTo>
+                  <a:pt x="0" y="120000"/>
+                </a:lnTo>
+                <a:close/>
+              </a:path>
+            </a:pathLst>
+          </a:custGeom>
+        </p:spPr>
+      </p:sp>
+      <p:sp>
+        <p:nvSpPr>
+          <p:cNvPr id="297" name="Google Shape;297;g39ad958e4f0_0_346:notes"/>
           <p:cNvSpPr txBox="1"/>
           <p:nvPr>
             <p:ph idx="1" type="body"/>
@@ -14852,6 +15052,243 @@
 </p:sld>
 </file>
 
+<file path=ppt/slides/slide35.xml><?xml version="1.0" encoding="utf-8"?>
+<p:sld xmlns:a="http://schemas.openxmlformats.org/drawingml/2006/main" xmlns:r="http://schemas.openxmlformats.org/officeDocument/2006/relationships" xmlns:mc="http://schemas.openxmlformats.org/markup-compatibility/2006" xmlns:mv="urn:schemas-microsoft-com:mac:vml" xmlns:p="http://schemas.openxmlformats.org/presentationml/2006/main" xmlns:c="http://schemas.openxmlformats.org/drawingml/2006/chart" xmlns:dgm="http://schemas.openxmlformats.org/drawingml/2006/diagram" xmlns:o="urn:schemas-microsoft-com:office:office" xmlns:v="urn:schemas-microsoft-com:vml" xmlns:pvml="urn:schemas-microsoft-com:office:powerpoint" xmlns:com="http://schemas.openxmlformats.org/drawingml/2006/compatibility" xmlns:p14="http://schemas.microsoft.com/office/powerpoint/2010/main" xmlns:p15="http://schemas.microsoft.com/office/powerpoint/2012/main" xmlns:ahyp="http://schemas.microsoft.com/office/drawing/2018/hyperlinkcolor">
+  <p:cSld>
+    <p:spTree>
+      <p:nvGrpSpPr>
+        <p:cNvPr id="293" name="Shape 293"/>
+        <p:cNvGrpSpPr/>
+        <p:nvPr/>
+      </p:nvGrpSpPr>
+      <p:grpSpPr>
+        <a:xfrm>
+          <a:off x="0" y="0"/>
+          <a:ext cx="0" cy="0"/>
+          <a:chOff x="0" y="0"/>
+          <a:chExt cx="0" cy="0"/>
+        </a:xfrm>
+      </p:grpSpPr>
+      <p:sp>
+        <p:nvSpPr>
+          <p:cNvPr id="294" name="Google Shape;294;p47"/>
+          <p:cNvSpPr txBox="1"/>
+          <p:nvPr>
+            <p:ph type="title"/>
+          </p:nvPr>
+        </p:nvSpPr>
+        <p:spPr>
+          <a:xfrm>
+            <a:off x="729450" y="864300"/>
+            <a:ext cx="7021200" cy="2985000"/>
+          </a:xfrm>
+          <a:prstGeom prst="rect">
+            <a:avLst/>
+          </a:prstGeom>
+        </p:spPr>
+        <p:txBody>
+          <a:bodyPr anchorCtr="0" anchor="ctr" bIns="91425" lIns="91425" spcFirstLastPara="1" rIns="91425" wrap="square" tIns="91425">
+            <a:normAutofit/>
+          </a:bodyPr>
+          <a:lstStyle/>
+          <a:p>
+            <a:pPr indent="0" lvl="0" marL="0" rtl="0" algn="l">
+              <a:spcBef>
+                <a:spcPts val="0"/>
+              </a:spcBef>
+              <a:spcAft>
+                <a:spcPts val="0"/>
+              </a:spcAft>
+              <a:buNone/>
+            </a:pPr>
+            <a:r>
+              <a:rPr lang="en"/>
+              <a:t>Best Algorithm?</a:t>
+            </a:r>
+            <a:endParaRPr/>
+          </a:p>
+        </p:txBody>
+      </p:sp>
+    </p:spTree>
+  </p:cSld>
+  <p:clrMapOvr>
+    <a:masterClrMapping/>
+  </p:clrMapOvr>
+</p:sld>
+</file>
+
+<file path=ppt/slides/slide36.xml><?xml version="1.0" encoding="utf-8"?>
+<p:sld xmlns:a="http://schemas.openxmlformats.org/drawingml/2006/main" xmlns:r="http://schemas.openxmlformats.org/officeDocument/2006/relationships" xmlns:mc="http://schemas.openxmlformats.org/markup-compatibility/2006" xmlns:mv="urn:schemas-microsoft-com:mac:vml" xmlns:p="http://schemas.openxmlformats.org/presentationml/2006/main" xmlns:c="http://schemas.openxmlformats.org/drawingml/2006/chart" xmlns:dgm="http://schemas.openxmlformats.org/drawingml/2006/diagram" xmlns:o="urn:schemas-microsoft-com:office:office" xmlns:v="urn:schemas-microsoft-com:vml" xmlns:pvml="urn:schemas-microsoft-com:office:powerpoint" xmlns:com="http://schemas.openxmlformats.org/drawingml/2006/compatibility" xmlns:p14="http://schemas.microsoft.com/office/powerpoint/2010/main" xmlns:p15="http://schemas.microsoft.com/office/powerpoint/2012/main" xmlns:ahyp="http://schemas.microsoft.com/office/drawing/2018/hyperlinkcolor">
+  <p:cSld>
+    <p:spTree>
+      <p:nvGrpSpPr>
+        <p:cNvPr id="298" name="Shape 298"/>
+        <p:cNvGrpSpPr/>
+        <p:nvPr/>
+      </p:nvGrpSpPr>
+      <p:grpSpPr>
+        <a:xfrm>
+          <a:off x="0" y="0"/>
+          <a:ext cx="0" cy="0"/>
+          <a:chOff x="0" y="0"/>
+          <a:chExt cx="0" cy="0"/>
+        </a:xfrm>
+      </p:grpSpPr>
+      <p:sp>
+        <p:nvSpPr>
+          <p:cNvPr id="299" name="Google Shape;299;p48"/>
+          <p:cNvSpPr txBox="1"/>
+          <p:nvPr>
+            <p:ph type="title"/>
+          </p:nvPr>
+        </p:nvSpPr>
+        <p:spPr>
+          <a:xfrm>
+            <a:off x="729450" y="1318650"/>
+            <a:ext cx="7688700" cy="535200"/>
+          </a:xfrm>
+          <a:prstGeom prst="rect">
+            <a:avLst/>
+          </a:prstGeom>
+        </p:spPr>
+        <p:txBody>
+          <a:bodyPr anchorCtr="0" anchor="t" bIns="91425" lIns="91425" spcFirstLastPara="1" rIns="91425" wrap="square" tIns="91425">
+            <a:normAutofit fontScale="90000"/>
+          </a:bodyPr>
+          <a:lstStyle/>
+          <a:p>
+            <a:pPr indent="0" lvl="0" marL="0" rtl="0" algn="l">
+              <a:spcBef>
+                <a:spcPts val="0"/>
+              </a:spcBef>
+              <a:spcAft>
+                <a:spcPts val="0"/>
+              </a:spcAft>
+              <a:buNone/>
+            </a:pPr>
+            <a:r>
+              <a:rPr lang="en"/>
+              <a:t>Ranking Algorithm (Menurut Kelompok Kami)</a:t>
+            </a:r>
+            <a:endParaRPr/>
+          </a:p>
+        </p:txBody>
+      </p:sp>
+      <p:sp>
+        <p:nvSpPr>
+          <p:cNvPr id="300" name="Google Shape;300;p48"/>
+          <p:cNvSpPr txBox="1"/>
+          <p:nvPr>
+            <p:ph idx="1" type="body"/>
+          </p:nvPr>
+        </p:nvSpPr>
+        <p:spPr>
+          <a:xfrm>
+            <a:off x="729450" y="2078875"/>
+            <a:ext cx="7688700" cy="2261100"/>
+          </a:xfrm>
+          <a:prstGeom prst="rect">
+            <a:avLst/>
+          </a:prstGeom>
+        </p:spPr>
+        <p:txBody>
+          <a:bodyPr anchorCtr="0" anchor="t" bIns="91425" lIns="91425" spcFirstLastPara="1" rIns="91425" wrap="square" tIns="91425">
+            <a:normAutofit/>
+          </a:bodyPr>
+          <a:lstStyle/>
+          <a:p>
+            <a:pPr indent="0" lvl="0" marL="0" rtl="0" algn="l">
+              <a:spcBef>
+                <a:spcPts val="0"/>
+              </a:spcBef>
+              <a:spcAft>
+                <a:spcPts val="0"/>
+              </a:spcAft>
+              <a:buNone/>
+            </a:pPr>
+            <a:r>
+              <a:rPr lang="en" sz="1600">
+                <a:solidFill>
+                  <a:srgbClr val="000000"/>
+                </a:solidFill>
+              </a:rPr>
+              <a:t>VGG-like – Validasi paling tinggi, cepat konvergen, stabil</a:t>
+            </a:r>
+            <a:endParaRPr sz="1600">
+              <a:solidFill>
+                <a:srgbClr val="000000"/>
+              </a:solidFill>
+            </a:endParaRPr>
+          </a:p>
+          <a:p>
+            <a:pPr indent="0" lvl="0" marL="0" rtl="0" algn="l">
+              <a:spcBef>
+                <a:spcPts val="0"/>
+              </a:spcBef>
+              <a:spcAft>
+                <a:spcPts val="0"/>
+              </a:spcAft>
+              <a:buNone/>
+            </a:pPr>
+            <a:r>
+              <a:rPr lang="en" sz="1600">
+                <a:solidFill>
+                  <a:srgbClr val="000000"/>
+                </a:solidFill>
+              </a:rPr>
+              <a:t>GoogLeNet – Stabil tapi akurasi rendah</a:t>
+            </a:r>
+            <a:endParaRPr sz="1600">
+              <a:solidFill>
+                <a:srgbClr val="000000"/>
+              </a:solidFill>
+            </a:endParaRPr>
+          </a:p>
+          <a:p>
+            <a:pPr indent="0" lvl="0" marL="0" rtl="0" algn="l">
+              <a:spcBef>
+                <a:spcPts val="0"/>
+              </a:spcBef>
+              <a:spcAft>
+                <a:spcPts val="1200"/>
+              </a:spcAft>
+              <a:buNone/>
+            </a:pPr>
+            <a:r>
+              <a:rPr lang="en" sz="1600">
+                <a:solidFill>
+                  <a:srgbClr val="000000"/>
+                </a:solidFill>
+              </a:rPr>
+              <a:t>ResNet ringan – Cocok uji coba cepat, performa masih bisa ditingkatkan</a:t>
+            </a:r>
+            <a:br>
+              <a:rPr lang="en" sz="1600">
+                <a:solidFill>
+                  <a:srgbClr val="000000"/>
+                </a:solidFill>
+              </a:rPr>
+            </a:br>
+            <a:r>
+              <a:rPr lang="en" sz="1600">
+                <a:solidFill>
+                  <a:srgbClr val="000000"/>
+                </a:solidFill>
+              </a:rPr>
+              <a:t>AlexNet-like – Berat untuk dataset kecil, akurasi rendah</a:t>
+            </a:r>
+            <a:endParaRPr sz="1600"/>
+          </a:p>
+        </p:txBody>
+      </p:sp>
+    </p:spTree>
+  </p:cSld>
+  <p:clrMapOvr>
+    <a:masterClrMapping/>
+  </p:clrMapOvr>
+</p:sld>
+</file>
+
 <file path=ppt/slides/slide4.xml><?xml version="1.0" encoding="utf-8"?>
 <p:sld xmlns:a="http://schemas.openxmlformats.org/drawingml/2006/main" xmlns:r="http://schemas.openxmlformats.org/officeDocument/2006/relationships" xmlns:mc="http://schemas.openxmlformats.org/markup-compatibility/2006" xmlns:mv="urn:schemas-microsoft-com:mac:vml" xmlns:p="http://schemas.openxmlformats.org/presentationml/2006/main" xmlns:c="http://schemas.openxmlformats.org/drawingml/2006/chart" xmlns:dgm="http://schemas.openxmlformats.org/drawingml/2006/diagram" xmlns:o="urn:schemas-microsoft-com:office:office" xmlns:v="urn:schemas-microsoft-com:vml" xmlns:pvml="urn:schemas-microsoft-com:office:powerpoint" xmlns:com="http://schemas.openxmlformats.org/drawingml/2006/compatibility" xmlns:p14="http://schemas.microsoft.com/office/powerpoint/2010/main" xmlns:p15="http://schemas.microsoft.com/office/powerpoint/2012/main" xmlns:ahyp="http://schemas.microsoft.com/office/drawing/2018/hyperlinkcolor">
   <p:cSld>
